--- a/doc/卷积网络架构示意图.pptx
+++ b/doc/卷积网络架构示意图.pptx
@@ -3153,7 +3153,7 @@
             <a:pPr algn="ctr"/>
             <a:r>
               <a:rPr lang="x-none" altLang="zh-CN"/>
-              <a:t>f1=(64,3,3,1)</a:t>
+              <a:t>f1=(3,3,1,64)</a:t>
             </a:r>
             <a:endParaRPr lang="x-none" altLang="zh-CN"/>
           </a:p>
@@ -3408,8 +3408,8 @@
         </p:nvSpPr>
         <p:spPr>
           <a:xfrm>
-            <a:off x="4950460" y="3826510"/>
-            <a:ext cx="1299210" cy="914400"/>
+            <a:off x="4881880" y="3826510"/>
+            <a:ext cx="1609090" cy="640080"/>
           </a:xfrm>
           <a:prstGeom prst="rect">
             <a:avLst/>
@@ -3432,7 +3432,7 @@
             <a:pPr algn="ctr"/>
             <a:r>
               <a:rPr lang="x-none" altLang="zh-CN"/>
-              <a:t>f2=(128,3,3,64)</a:t>
+              <a:t>f2=(3,3,64,128)</a:t>
             </a:r>
             <a:endParaRPr lang="x-none" altLang="zh-CN"/>
           </a:p>
@@ -3551,7 +3551,7 @@
         </p:nvSpPr>
         <p:spPr>
           <a:xfrm>
-            <a:off x="6134100" y="3826510"/>
+            <a:off x="6229350" y="3826510"/>
             <a:ext cx="937895" cy="640080"/>
           </a:xfrm>
           <a:prstGeom prst="rect">

--- a/doc/卷积网络架构示意图.pptx
+++ b/doc/卷积网络架构示意图.pptx
@@ -3167,7 +3167,7 @@
         </p:nvSpPr>
         <p:spPr>
           <a:xfrm>
-            <a:off x="3479800" y="1226185"/>
+            <a:off x="3613150" y="1226185"/>
             <a:ext cx="830580" cy="365760"/>
           </a:xfrm>
           <a:prstGeom prst="rect">
@@ -3182,7 +3182,7 @@
           <a:p>
             <a:r>
               <a:rPr lang="x-none" altLang="zh-CN"/>
-              <a:t>64层</a:t>
+              <a:t>64</a:t>
             </a:r>
             <a:endParaRPr lang="x-none" altLang="zh-CN"/>
           </a:p>
@@ -3196,7 +3196,7 @@
         </p:nvSpPr>
         <p:spPr>
           <a:xfrm>
-            <a:off x="1737995" y="1221105"/>
+            <a:off x="1826895" y="1221105"/>
             <a:ext cx="830580" cy="365760"/>
           </a:xfrm>
           <a:prstGeom prst="rect">
@@ -3211,7 +3211,7 @@
           <a:p>
             <a:r>
               <a:rPr lang="x-none" altLang="zh-CN"/>
-              <a:t>1层</a:t>
+              <a:t>1</a:t>
             </a:r>
             <a:endParaRPr lang="x-none" altLang="zh-CN"/>
           </a:p>
@@ -3446,7 +3446,7 @@
         </p:nvSpPr>
         <p:spPr>
           <a:xfrm>
-            <a:off x="5822950" y="1226185"/>
+            <a:off x="5905500" y="1226185"/>
             <a:ext cx="830580" cy="365760"/>
           </a:xfrm>
           <a:prstGeom prst="rect">
@@ -3461,7 +3461,7 @@
           <a:p>
             <a:r>
               <a:rPr lang="x-none" altLang="zh-CN"/>
-              <a:t>128层</a:t>
+              <a:t>128</a:t>
             </a:r>
             <a:endParaRPr lang="x-none" altLang="zh-CN"/>
           </a:p>
@@ -3695,7 +3695,7 @@
         </p:nvSpPr>
         <p:spPr>
           <a:xfrm>
-            <a:off x="7707630" y="1226185"/>
+            <a:off x="7764780" y="1226185"/>
             <a:ext cx="964565" cy="365760"/>
           </a:xfrm>
           <a:prstGeom prst="rect">
@@ -3710,7 +3710,7 @@
           <a:p>
             <a:r>
               <a:rPr lang="x-none" altLang="zh-CN"/>
-              <a:t>1024层</a:t>
+              <a:t>1024</a:t>
             </a:r>
             <a:endParaRPr lang="x-none" altLang="zh-CN"/>
           </a:p>
@@ -3823,7 +3823,7 @@
         </p:nvSpPr>
         <p:spPr>
           <a:xfrm>
-            <a:off x="9047480" y="1226185"/>
+            <a:off x="9193530" y="1226185"/>
             <a:ext cx="964565" cy="365760"/>
           </a:xfrm>
           <a:prstGeom prst="rect">
@@ -3838,7 +3838,7 @@
           <a:p>
             <a:r>
               <a:rPr lang="x-none" altLang="zh-CN"/>
-              <a:t>输出层</a:t>
+              <a:t>10</a:t>
             </a:r>
             <a:endParaRPr lang="x-none" altLang="zh-CN"/>
           </a:p>
